--- a/Summary/20220907_microbiome_demographic_slides.pptx
+++ b/Summary/20220907_microbiome_demographic_slides.pptx
@@ -5,17 +5,11 @@
     <p:sldMasterId id="2147483648" r:id="rId1"/>
   </p:sldMasterIdLst>
   <p:notesMasterIdLst>
-    <p:notesMasterId r:id="rId10"/>
+    <p:notesMasterId r:id="rId4"/>
   </p:notesMasterIdLst>
   <p:sldIdLst>
     <p:sldId id="384" r:id="rId2"/>
     <p:sldId id="366" r:id="rId3"/>
-    <p:sldId id="400" r:id="rId4"/>
-    <p:sldId id="403" r:id="rId5"/>
-    <p:sldId id="402" r:id="rId6"/>
-    <p:sldId id="401" r:id="rId7"/>
-    <p:sldId id="396" r:id="rId8"/>
-    <p:sldId id="393" r:id="rId9"/>
   </p:sldIdLst>
   <p:sldSz cx="12192000" cy="6858000"/>
   <p:notesSz cx="6858000" cy="9144000"/>
@@ -121,12 +115,6 @@
           <p14:sldIdLst>
             <p14:sldId id="384"/>
             <p14:sldId id="366"/>
-            <p14:sldId id="400"/>
-            <p14:sldId id="403"/>
-            <p14:sldId id="402"/>
-            <p14:sldId id="401"/>
-            <p14:sldId id="396"/>
-            <p14:sldId id="393"/>
           </p14:sldIdLst>
         </p14:section>
       </p14:sectionLst>
@@ -141,7 +129,7 @@
 <file path=ppt/revisionInfo.xml><?xml version="1.0" encoding="utf-8"?>
 <p1510:revInfo xmlns:a="http://schemas.openxmlformats.org/drawingml/2006/main" xmlns:r="http://schemas.openxmlformats.org/officeDocument/2006/relationships" xmlns:p1510="http://schemas.microsoft.com/office/powerpoint/2015/10/main">
   <p1510:revLst>
-    <p1510:client id="{C336FDEA-0AD3-49BC-B16B-E6CA96794644}" v="13" dt="2022-09-07T22:07:39.941"/>
+    <p1510:client id="{C336FDEA-0AD3-49BC-B16B-E6CA96794644}" v="15" dt="2022-09-07T23:15:19.485"/>
   </p1510:revLst>
 </p1510:revInfo>
 </file>
@@ -150,8 +138,8 @@
 <pc:chgInfo xmlns:a="http://schemas.openxmlformats.org/drawingml/2006/main" xmlns:r="http://schemas.openxmlformats.org/officeDocument/2006/relationships" xmlns:ac="http://schemas.microsoft.com/office/drawing/2013/main/command" xmlns:pc="http://schemas.microsoft.com/office/powerpoint/2013/main/command">
   <pc:docChgLst>
     <pc:chgData name="Jonathan Mah" userId="5261b2f2f3e51194" providerId="LiveId" clId="{C336FDEA-0AD3-49BC-B16B-E6CA96794644}"/>
-    <pc:docChg chg="undo custSel addSld delSld modSld modSection">
-      <pc:chgData name="Jonathan Mah" userId="5261b2f2f3e51194" providerId="LiveId" clId="{C336FDEA-0AD3-49BC-B16B-E6CA96794644}" dt="2022-09-07T22:07:44.815" v="1514" actId="1076"/>
+    <pc:docChg chg="undo custSel addSld delSld modSld sldOrd modSection">
+      <pc:chgData name="Jonathan Mah" userId="5261b2f2f3e51194" providerId="LiveId" clId="{C336FDEA-0AD3-49BC-B16B-E6CA96794644}" dt="2022-09-12T15:51:48.293" v="1650" actId="47"/>
       <pc:docMkLst>
         <pc:docMk/>
       </pc:docMkLst>
@@ -192,8 +180,8 @@
           </ac:spMkLst>
         </pc:spChg>
       </pc:sldChg>
-      <pc:sldChg chg="modSp mod">
-        <pc:chgData name="Jonathan Mah" userId="5261b2f2f3e51194" providerId="LiveId" clId="{C336FDEA-0AD3-49BC-B16B-E6CA96794644}" dt="2022-09-07T21:01:47.999" v="1450" actId="20577"/>
+      <pc:sldChg chg="modSp del mod">
+        <pc:chgData name="Jonathan Mah" userId="5261b2f2f3e51194" providerId="LiveId" clId="{C336FDEA-0AD3-49BC-B16B-E6CA96794644}" dt="2022-09-12T15:49:36.694" v="1645" actId="47"/>
         <pc:sldMkLst>
           <pc:docMk/>
           <pc:sldMk cId="2897469236" sldId="393"/>
@@ -222,8 +210,8 @@
           <pc:sldMk cId="1151831412" sldId="394"/>
         </pc:sldMkLst>
       </pc:sldChg>
-      <pc:sldChg chg="addSp delSp modSp mod">
-        <pc:chgData name="Jonathan Mah" userId="5261b2f2f3e51194" providerId="LiveId" clId="{C336FDEA-0AD3-49BC-B16B-E6CA96794644}" dt="2022-09-07T22:07:44.815" v="1514" actId="1076"/>
+      <pc:sldChg chg="addSp delSp modSp del mod">
+        <pc:chgData name="Jonathan Mah" userId="5261b2f2f3e51194" providerId="LiveId" clId="{C336FDEA-0AD3-49BC-B16B-E6CA96794644}" dt="2022-09-12T15:51:43.175" v="1646" actId="47"/>
         <pc:sldMkLst>
           <pc:docMk/>
           <pc:sldMk cId="325441552" sldId="396"/>
@@ -252,6 +240,14 @@
             <ac:spMk id="15" creationId="{62E75B54-4D24-6F87-AF4C-45D7B8035FB6}"/>
           </ac:spMkLst>
         </pc:spChg>
+        <pc:spChg chg="add mod">
+          <ac:chgData name="Jonathan Mah" userId="5261b2f2f3e51194" providerId="LiveId" clId="{C336FDEA-0AD3-49BC-B16B-E6CA96794644}" dt="2022-09-07T23:16:50.226" v="1642" actId="20577"/>
+          <ac:spMkLst>
+            <pc:docMk/>
+            <pc:sldMk cId="325441552" sldId="396"/>
+            <ac:spMk id="17" creationId="{D0267957-75A1-8D49-27A7-52EBF6FC9FCE}"/>
+          </ac:spMkLst>
+        </pc:spChg>
         <pc:picChg chg="add del mod">
           <ac:chgData name="Jonathan Mah" userId="5261b2f2f3e51194" providerId="LiveId" clId="{C336FDEA-0AD3-49BC-B16B-E6CA96794644}" dt="2022-09-07T22:07:39.582" v="1508" actId="478"/>
           <ac:picMkLst>
@@ -260,8 +256,8 @@
             <ac:picMk id="6" creationId="{0E027FA6-742E-FA79-87D9-B851A2BA57A0}"/>
           </ac:picMkLst>
         </pc:picChg>
-        <pc:picChg chg="add mod">
-          <ac:chgData name="Jonathan Mah" userId="5261b2f2f3e51194" providerId="LiveId" clId="{C336FDEA-0AD3-49BC-B16B-E6CA96794644}" dt="2022-09-07T20:58:40.445" v="1043" actId="1076"/>
+        <pc:picChg chg="add del mod">
+          <ac:chgData name="Jonathan Mah" userId="5261b2f2f3e51194" providerId="LiveId" clId="{C336FDEA-0AD3-49BC-B16B-E6CA96794644}" dt="2022-09-07T22:56:38.153" v="1515" actId="478"/>
           <ac:picMkLst>
             <pc:docMk/>
             <pc:sldMk cId="325441552" sldId="396"/>
@@ -282,6 +278,14 @@
             <pc:docMk/>
             <pc:sldMk cId="325441552" sldId="396"/>
             <ac:picMk id="13" creationId="{93AABB5C-6771-3630-07A3-33A493872360}"/>
+          </ac:picMkLst>
+        </pc:picChg>
+        <pc:picChg chg="add mod">
+          <ac:chgData name="Jonathan Mah" userId="5261b2f2f3e51194" providerId="LiveId" clId="{C336FDEA-0AD3-49BC-B16B-E6CA96794644}" dt="2022-09-07T22:56:54.983" v="1518" actId="1076"/>
+          <ac:picMkLst>
+            <pc:docMk/>
+            <pc:sldMk cId="325441552" sldId="396"/>
+            <ac:picMk id="16" creationId="{51A5660B-EE07-4F7D-0B96-DF3E9FB8EAA2}"/>
           </ac:picMkLst>
         </pc:picChg>
       </pc:sldChg>
@@ -322,8 +326,8 @@
           <pc:sldMk cId="4111092087" sldId="399"/>
         </pc:sldMkLst>
       </pc:sldChg>
-      <pc:sldChg chg="modSp mod">
-        <pc:chgData name="Jonathan Mah" userId="5261b2f2f3e51194" providerId="LiveId" clId="{C336FDEA-0AD3-49BC-B16B-E6CA96794644}" dt="2022-09-07T20:00:09.718" v="507" actId="20577"/>
+      <pc:sldChg chg="modSp del mod ord">
+        <pc:chgData name="Jonathan Mah" userId="5261b2f2f3e51194" providerId="LiveId" clId="{C336FDEA-0AD3-49BC-B16B-E6CA96794644}" dt="2022-09-12T15:51:46.735" v="1648" actId="47"/>
         <pc:sldMkLst>
           <pc:docMk/>
           <pc:sldMk cId="136659373" sldId="400"/>
@@ -338,7 +342,7 @@
         </pc:spChg>
       </pc:sldChg>
       <pc:sldChg chg="addSp delSp modSp new add del mod">
-        <pc:chgData name="Jonathan Mah" userId="5261b2f2f3e51194" providerId="LiveId" clId="{C336FDEA-0AD3-49BC-B16B-E6CA96794644}" dt="2022-09-07T20:37:07.143" v="898" actId="1076"/>
+        <pc:chgData name="Jonathan Mah" userId="5261b2f2f3e51194" providerId="LiveId" clId="{C336FDEA-0AD3-49BC-B16B-E6CA96794644}" dt="2022-09-12T15:51:44.258" v="1647" actId="47"/>
         <pc:sldMkLst>
           <pc:docMk/>
           <pc:sldMk cId="113749916" sldId="401"/>
@@ -375,8 +379,8 @@
             <ac:spMk id="6" creationId="{4C3BAB4D-034A-F501-4956-036279F6859E}"/>
           </ac:spMkLst>
         </pc:spChg>
-        <pc:spChg chg="add mod">
-          <ac:chgData name="Jonathan Mah" userId="5261b2f2f3e51194" providerId="LiveId" clId="{C336FDEA-0AD3-49BC-B16B-E6CA96794644}" dt="2022-09-07T20:37:07.143" v="898" actId="1076"/>
+        <pc:spChg chg="add del mod">
+          <ac:chgData name="Jonathan Mah" userId="5261b2f2f3e51194" providerId="LiveId" clId="{C336FDEA-0AD3-49BC-B16B-E6CA96794644}" dt="2022-09-07T23:09:56.808" v="1519" actId="478"/>
           <ac:spMkLst>
             <pc:docMk/>
             <pc:sldMk cId="113749916" sldId="401"/>
@@ -399,8 +403,8 @@
           <pc:sldMk cId="1198637630" sldId="402"/>
         </pc:sldMkLst>
       </pc:sldChg>
-      <pc:sldChg chg="modSp add mod">
-        <pc:chgData name="Jonathan Mah" userId="5261b2f2f3e51194" providerId="LiveId" clId="{C336FDEA-0AD3-49BC-B16B-E6CA96794644}" dt="2022-09-07T20:10:45.624" v="545" actId="20577"/>
+      <pc:sldChg chg="modSp add del mod">
+        <pc:chgData name="Jonathan Mah" userId="5261b2f2f3e51194" providerId="LiveId" clId="{C336FDEA-0AD3-49BC-B16B-E6CA96794644}" dt="2022-09-12T15:51:48.293" v="1650" actId="47"/>
         <pc:sldMkLst>
           <pc:docMk/>
           <pc:sldMk cId="2063938261" sldId="402"/>
@@ -414,8 +418,8 @@
           </ac:spMkLst>
         </pc:spChg>
       </pc:sldChg>
-      <pc:sldChg chg="modSp add mod">
-        <pc:chgData name="Jonathan Mah" userId="5261b2f2f3e51194" providerId="LiveId" clId="{C336FDEA-0AD3-49BC-B16B-E6CA96794644}" dt="2022-09-07T20:31:41.554" v="848" actId="20577"/>
+      <pc:sldChg chg="modSp add del mod">
+        <pc:chgData name="Jonathan Mah" userId="5261b2f2f3e51194" providerId="LiveId" clId="{C336FDEA-0AD3-49BC-B16B-E6CA96794644}" dt="2022-09-12T15:51:46.903" v="1649" actId="47"/>
         <pc:sldMkLst>
           <pc:docMk/>
           <pc:sldMk cId="1096183050" sldId="403"/>
@@ -516,7 +520,7 @@
           <a:p>
             <a:fld id="{2F446724-7A58-4020-9182-8374F0305DD3}" type="datetimeFigureOut">
               <a:rPr lang="en-US" smtClean="0"/>
-              <a:t>9/7/2022</a:t>
+              <a:t>9/12/2022</a:t>
             </a:fld>
             <a:endParaRPr lang="en-US"/>
           </a:p>
@@ -930,7 +934,7 @@
           <a:p>
             <a:fld id="{6A6E4237-9E27-40CF-A4D8-1330F92F21DA}" type="datetimeFigureOut">
               <a:rPr lang="en-US" smtClean="0"/>
-              <a:t>9/7/2022</a:t>
+              <a:t>9/12/2022</a:t>
             </a:fld>
             <a:endParaRPr lang="en-US"/>
           </a:p>
@@ -1128,7 +1132,7 @@
           <a:p>
             <a:fld id="{6A6E4237-9E27-40CF-A4D8-1330F92F21DA}" type="datetimeFigureOut">
               <a:rPr lang="en-US" smtClean="0"/>
-              <a:t>9/7/2022</a:t>
+              <a:t>9/12/2022</a:t>
             </a:fld>
             <a:endParaRPr lang="en-US"/>
           </a:p>
@@ -1336,7 +1340,7 @@
           <a:p>
             <a:fld id="{6A6E4237-9E27-40CF-A4D8-1330F92F21DA}" type="datetimeFigureOut">
               <a:rPr lang="en-US" smtClean="0"/>
-              <a:t>9/7/2022</a:t>
+              <a:t>9/12/2022</a:t>
             </a:fld>
             <a:endParaRPr lang="en-US"/>
           </a:p>
@@ -1534,7 +1538,7 @@
           <a:p>
             <a:fld id="{6A6E4237-9E27-40CF-A4D8-1330F92F21DA}" type="datetimeFigureOut">
               <a:rPr lang="en-US" smtClean="0"/>
-              <a:t>9/7/2022</a:t>
+              <a:t>9/12/2022</a:t>
             </a:fld>
             <a:endParaRPr lang="en-US"/>
           </a:p>
@@ -1809,7 +1813,7 @@
           <a:p>
             <a:fld id="{6A6E4237-9E27-40CF-A4D8-1330F92F21DA}" type="datetimeFigureOut">
               <a:rPr lang="en-US" smtClean="0"/>
-              <a:t>9/7/2022</a:t>
+              <a:t>9/12/2022</a:t>
             </a:fld>
             <a:endParaRPr lang="en-US"/>
           </a:p>
@@ -2074,7 +2078,7 @@
           <a:p>
             <a:fld id="{6A6E4237-9E27-40CF-A4D8-1330F92F21DA}" type="datetimeFigureOut">
               <a:rPr lang="en-US" smtClean="0"/>
-              <a:t>9/7/2022</a:t>
+              <a:t>9/12/2022</a:t>
             </a:fld>
             <a:endParaRPr lang="en-US"/>
           </a:p>
@@ -2486,7 +2490,7 @@
           <a:p>
             <a:fld id="{6A6E4237-9E27-40CF-A4D8-1330F92F21DA}" type="datetimeFigureOut">
               <a:rPr lang="en-US" smtClean="0"/>
-              <a:t>9/7/2022</a:t>
+              <a:t>9/12/2022</a:t>
             </a:fld>
             <a:endParaRPr lang="en-US"/>
           </a:p>
@@ -2627,7 +2631,7 @@
           <a:p>
             <a:fld id="{6A6E4237-9E27-40CF-A4D8-1330F92F21DA}" type="datetimeFigureOut">
               <a:rPr lang="en-US" smtClean="0"/>
-              <a:t>9/7/2022</a:t>
+              <a:t>9/12/2022</a:t>
             </a:fld>
             <a:endParaRPr lang="en-US"/>
           </a:p>
@@ -2740,7 +2744,7 @@
           <a:p>
             <a:fld id="{6A6E4237-9E27-40CF-A4D8-1330F92F21DA}" type="datetimeFigureOut">
               <a:rPr lang="en-US" smtClean="0"/>
-              <a:t>9/7/2022</a:t>
+              <a:t>9/12/2022</a:t>
             </a:fld>
             <a:endParaRPr lang="en-US"/>
           </a:p>
@@ -3051,7 +3055,7 @@
           <a:p>
             <a:fld id="{6A6E4237-9E27-40CF-A4D8-1330F92F21DA}" type="datetimeFigureOut">
               <a:rPr lang="en-US" smtClean="0"/>
-              <a:t>9/7/2022</a:t>
+              <a:t>9/12/2022</a:t>
             </a:fld>
             <a:endParaRPr lang="en-US"/>
           </a:p>
@@ -3339,7 +3343,7 @@
           <a:p>
             <a:fld id="{6A6E4237-9E27-40CF-A4D8-1330F92F21DA}" type="datetimeFigureOut">
               <a:rPr lang="en-US" smtClean="0"/>
-              <a:t>9/7/2022</a:t>
+              <a:t>9/12/2022</a:t>
             </a:fld>
             <a:endParaRPr lang="en-US"/>
           </a:p>
@@ -3580,7 +3584,7 @@
           <a:p>
             <a:fld id="{6A6E4237-9E27-40CF-A4D8-1330F92F21DA}" type="datetimeFigureOut">
               <a:rPr lang="en-US" smtClean="0"/>
-              <a:t>9/7/2022</a:t>
+              <a:t>9/12/2022</a:t>
             </a:fld>
             <a:endParaRPr lang="en-US"/>
           </a:p>
@@ -4235,1313 +4239,6 @@
     <p:extLst>
       <p:ext uri="{BB962C8B-B14F-4D97-AF65-F5344CB8AC3E}">
         <p14:creationId xmlns:p14="http://schemas.microsoft.com/office/powerpoint/2010/main" val="2977728054"/>
-      </p:ext>
-    </p:extLst>
-  </p:cSld>
-  <p:clrMapOvr>
-    <a:masterClrMapping/>
-  </p:clrMapOvr>
-</p:sld>
-</file>
-
-<file path=ppt/slides/slide3.xml><?xml version="1.0" encoding="utf-8"?>
-<p:sld xmlns:a="http://schemas.openxmlformats.org/drawingml/2006/main" xmlns:r="http://schemas.openxmlformats.org/officeDocument/2006/relationships" xmlns:p="http://schemas.openxmlformats.org/presentationml/2006/main">
-  <p:cSld>
-    <p:spTree>
-      <p:nvGrpSpPr>
-        <p:cNvPr id="1" name=""/>
-        <p:cNvGrpSpPr/>
-        <p:nvPr/>
-      </p:nvGrpSpPr>
-      <p:grpSpPr>
-        <a:xfrm>
-          <a:off x="0" y="0"/>
-          <a:ext cx="0" cy="0"/>
-          <a:chOff x="0" y="0"/>
-          <a:chExt cx="0" cy="0"/>
-        </a:xfrm>
-      </p:grpSpPr>
-      <p:sp>
-        <p:nvSpPr>
-          <p:cNvPr id="2" name="Title 1">
-            <a:extLst>
-              <a:ext uri="{FF2B5EF4-FFF2-40B4-BE49-F238E27FC236}">
-                <a16:creationId xmlns:a16="http://schemas.microsoft.com/office/drawing/2014/main" id="{8BCDC7F3-0026-4ABC-A1FB-A556D653FBF1}"/>
-              </a:ext>
-            </a:extLst>
-          </p:cNvPr>
-          <p:cNvSpPr>
-            <a:spLocks noGrp="1"/>
-          </p:cNvSpPr>
-          <p:nvPr>
-            <p:ph type="title"/>
-          </p:nvPr>
-        </p:nvSpPr>
-        <p:spPr/>
-        <p:txBody>
-          <a:bodyPr/>
-          <a:lstStyle/>
-          <a:p>
-            <a:r>
-              <a:rPr lang="en-US" dirty="0">
-                <a:latin typeface="Yu Gothic" panose="020B0400000000000000" pitchFamily="34" charset="-128"/>
-                <a:ea typeface="Yu Gothic" panose="020B0400000000000000" pitchFamily="34" charset="-128"/>
-              </a:rPr>
-              <a:t>MIDAS</a:t>
-            </a:r>
-          </a:p>
-        </p:txBody>
-      </p:sp>
-      <p:sp>
-        <p:nvSpPr>
-          <p:cNvPr id="3" name="Content Placeholder 2">
-            <a:extLst>
-              <a:ext uri="{FF2B5EF4-FFF2-40B4-BE49-F238E27FC236}">
-                <a16:creationId xmlns:a16="http://schemas.microsoft.com/office/drawing/2014/main" id="{0185D601-86C1-40AA-B68A-90906EDD42C9}"/>
-              </a:ext>
-            </a:extLst>
-          </p:cNvPr>
-          <p:cNvSpPr>
-            <a:spLocks noGrp="1"/>
-          </p:cNvSpPr>
-          <p:nvPr>
-            <p:ph idx="1"/>
-          </p:nvPr>
-        </p:nvSpPr>
-        <p:spPr/>
-        <p:txBody>
-          <a:bodyPr>
-            <a:normAutofit fontScale="47500" lnSpcReduction="20000"/>
-          </a:bodyPr>
-          <a:lstStyle/>
-          <a:p>
-            <a:r>
-              <a:rPr lang="en-US" dirty="0">
-                <a:latin typeface="Yu Gothic" panose="020B0400000000000000" pitchFamily="34" charset="-128"/>
-                <a:ea typeface="Yu Gothic" panose="020B0400000000000000" pitchFamily="34" charset="-128"/>
-              </a:rPr>
-              <a:t>21 Species have faulty output</a:t>
-            </a:r>
-          </a:p>
-          <a:p>
-            <a:pPr lvl="1"/>
-            <a:r>
-              <a:rPr lang="en-US" dirty="0">
-                <a:latin typeface="Yu Gothic" panose="020B0400000000000000" pitchFamily="34" charset="-128"/>
-                <a:ea typeface="Yu Gothic" panose="020B0400000000000000" pitchFamily="34" charset="-128"/>
-              </a:rPr>
-              <a:t>Actinomyces_viscosus_57672</a:t>
-            </a:r>
-          </a:p>
-          <a:p>
-            <a:pPr lvl="1"/>
-            <a:r>
-              <a:rPr lang="en-US" dirty="0">
-                <a:latin typeface="Yu Gothic" panose="020B0400000000000000" pitchFamily="34" charset="-128"/>
-                <a:ea typeface="Yu Gothic" panose="020B0400000000000000" pitchFamily="34" charset="-128"/>
-              </a:rPr>
-              <a:t>Fusobacterium_periodonticum_58002</a:t>
-            </a:r>
-          </a:p>
-          <a:p>
-            <a:pPr lvl="1"/>
-            <a:r>
-              <a:rPr lang="en-US" dirty="0">
-                <a:latin typeface="Yu Gothic" panose="020B0400000000000000" pitchFamily="34" charset="-128"/>
-                <a:ea typeface="Yu Gothic" panose="020B0400000000000000" pitchFamily="34" charset="-128"/>
-              </a:rPr>
-              <a:t>Gemella_haemolysans_61762</a:t>
-            </a:r>
-          </a:p>
-          <a:p>
-            <a:pPr lvl="1"/>
-            <a:r>
-              <a:rPr lang="en-US" dirty="0">
-                <a:latin typeface="Yu Gothic" panose="020B0400000000000000" pitchFamily="34" charset="-128"/>
-                <a:ea typeface="Yu Gothic" panose="020B0400000000000000" pitchFamily="34" charset="-128"/>
-              </a:rPr>
-              <a:t>Granulicatella_elegans_61945</a:t>
-            </a:r>
-          </a:p>
-          <a:p>
-            <a:pPr lvl="1"/>
-            <a:r>
-              <a:rPr lang="en-US" dirty="0">
-                <a:latin typeface="Yu Gothic" panose="020B0400000000000000" pitchFamily="34" charset="-128"/>
-                <a:ea typeface="Yu Gothic" panose="020B0400000000000000" pitchFamily="34" charset="-128"/>
-              </a:rPr>
-              <a:t>Haemophilus_parahaemolyticus_60505</a:t>
-            </a:r>
-          </a:p>
-          <a:p>
-            <a:pPr lvl="1"/>
-            <a:r>
-              <a:rPr lang="en-US" dirty="0">
-                <a:latin typeface="Yu Gothic" panose="020B0400000000000000" pitchFamily="34" charset="-128"/>
-                <a:ea typeface="Yu Gothic" panose="020B0400000000000000" pitchFamily="34" charset="-128"/>
-              </a:rPr>
-              <a:t>Haemophilus_parainfluenzae_57123</a:t>
-            </a:r>
-          </a:p>
-          <a:p>
-            <a:pPr lvl="1"/>
-            <a:r>
-              <a:rPr lang="en-US" dirty="0">
-                <a:latin typeface="Yu Gothic" panose="020B0400000000000000" pitchFamily="34" charset="-128"/>
-                <a:ea typeface="Yu Gothic" panose="020B0400000000000000" pitchFamily="34" charset="-128"/>
-              </a:rPr>
-              <a:t>Haemophilus_parainfluenzae_62356</a:t>
-            </a:r>
-          </a:p>
-          <a:p>
-            <a:pPr lvl="1"/>
-            <a:r>
-              <a:rPr lang="en-US" dirty="0">
-                <a:latin typeface="Yu Gothic" panose="020B0400000000000000" pitchFamily="34" charset="-128"/>
-                <a:ea typeface="Yu Gothic" panose="020B0400000000000000" pitchFamily="34" charset="-128"/>
-              </a:rPr>
-              <a:t>Haemophilus_parainfluenzae_62468</a:t>
-            </a:r>
-          </a:p>
-          <a:p>
-            <a:pPr lvl="1"/>
-            <a:r>
-              <a:rPr lang="en-US" dirty="0">
-                <a:latin typeface="Yu Gothic" panose="020B0400000000000000" pitchFamily="34" charset="-128"/>
-                <a:ea typeface="Yu Gothic" panose="020B0400000000000000" pitchFamily="34" charset="-128"/>
-              </a:rPr>
-              <a:t>Haemophilus_paraphrohaemolyticus_58563</a:t>
-            </a:r>
-          </a:p>
-          <a:p>
-            <a:pPr lvl="1"/>
-            <a:r>
-              <a:rPr lang="en-US" dirty="0">
-                <a:latin typeface="Yu Gothic" panose="020B0400000000000000" pitchFamily="34" charset="-128"/>
-                <a:ea typeface="Yu Gothic" panose="020B0400000000000000" pitchFamily="34" charset="-128"/>
-              </a:rPr>
-              <a:t>Haemophilus_sputorum_53575</a:t>
-            </a:r>
-          </a:p>
-          <a:p>
-            <a:pPr lvl="1"/>
-            <a:r>
-              <a:rPr lang="en-US" dirty="0">
-                <a:latin typeface="Yu Gothic" panose="020B0400000000000000" pitchFamily="34" charset="-128"/>
-                <a:ea typeface="Yu Gothic" panose="020B0400000000000000" pitchFamily="34" charset="-128"/>
-              </a:rPr>
-              <a:t>Neisseria_sp_61995</a:t>
-            </a:r>
-          </a:p>
-          <a:p>
-            <a:pPr lvl="1"/>
-            <a:r>
-              <a:rPr lang="en-US" dirty="0">
-                <a:latin typeface="Yu Gothic" panose="020B0400000000000000" pitchFamily="34" charset="-128"/>
-                <a:ea typeface="Yu Gothic" panose="020B0400000000000000" pitchFamily="34" charset="-128"/>
-              </a:rPr>
-              <a:t>Porphyromonas_sp_57899</a:t>
-            </a:r>
-          </a:p>
-          <a:p>
-            <a:pPr lvl="1"/>
-            <a:r>
-              <a:rPr lang="en-US" dirty="0">
-                <a:latin typeface="Yu Gothic" panose="020B0400000000000000" pitchFamily="34" charset="-128"/>
-                <a:ea typeface="Yu Gothic" panose="020B0400000000000000" pitchFamily="34" charset="-128"/>
-              </a:rPr>
-              <a:t>Prevotella_nanceiensis_44721</a:t>
-            </a:r>
-          </a:p>
-          <a:p>
-            <a:pPr lvl="1"/>
-            <a:r>
-              <a:rPr lang="en-US" dirty="0">
-                <a:latin typeface="Yu Gothic" panose="020B0400000000000000" pitchFamily="34" charset="-128"/>
-                <a:ea typeface="Yu Gothic" panose="020B0400000000000000" pitchFamily="34" charset="-128"/>
-              </a:rPr>
-              <a:t>Prevotella_sp_61856</a:t>
-            </a:r>
-          </a:p>
-          <a:p>
-            <a:pPr lvl="1"/>
-            <a:r>
-              <a:rPr lang="en-US" dirty="0">
-                <a:latin typeface="Yu Gothic" panose="020B0400000000000000" pitchFamily="34" charset="-128"/>
-                <a:ea typeface="Yu Gothic" panose="020B0400000000000000" pitchFamily="34" charset="-128"/>
-              </a:rPr>
-              <a:t>Rothia_mucilaginosa_58144</a:t>
-            </a:r>
-          </a:p>
-          <a:p>
-            <a:pPr lvl="1"/>
-            <a:r>
-              <a:rPr lang="en-US" dirty="0">
-                <a:latin typeface="Yu Gothic" panose="020B0400000000000000" pitchFamily="34" charset="-128"/>
-                <a:ea typeface="Yu Gothic" panose="020B0400000000000000" pitchFamily="34" charset="-128"/>
-              </a:rPr>
-              <a:t>Streptococcus_parasanguinis_58487</a:t>
-            </a:r>
-          </a:p>
-          <a:p>
-            <a:pPr lvl="1"/>
-            <a:r>
-              <a:rPr lang="en-US" dirty="0">
-                <a:latin typeface="Yu Gothic" panose="020B0400000000000000" pitchFamily="34" charset="-128"/>
-                <a:ea typeface="Yu Gothic" panose="020B0400000000000000" pitchFamily="34" charset="-128"/>
-              </a:rPr>
-              <a:t>Streptococcus_sp_57750</a:t>
-            </a:r>
-          </a:p>
-          <a:p>
-            <a:pPr lvl="1"/>
-            <a:r>
-              <a:rPr lang="en-US" dirty="0">
-                <a:latin typeface="Yu Gothic" panose="020B0400000000000000" pitchFamily="34" charset="-128"/>
-                <a:ea typeface="Yu Gothic" panose="020B0400000000000000" pitchFamily="34" charset="-128"/>
-              </a:rPr>
-              <a:t>Streptococcus_sp_61820</a:t>
-            </a:r>
-          </a:p>
-          <a:p>
-            <a:pPr lvl="1"/>
-            <a:r>
-              <a:rPr lang="en-US" dirty="0">
-                <a:latin typeface="Yu Gothic" panose="020B0400000000000000" pitchFamily="34" charset="-128"/>
-                <a:ea typeface="Yu Gothic" panose="020B0400000000000000" pitchFamily="34" charset="-128"/>
-              </a:rPr>
-              <a:t>Streptococcus_vestibularis_56030</a:t>
-            </a:r>
-          </a:p>
-          <a:p>
-            <a:pPr lvl="1"/>
-            <a:r>
-              <a:rPr lang="en-US" dirty="0">
-                <a:latin typeface="Yu Gothic" panose="020B0400000000000000" pitchFamily="34" charset="-128"/>
-                <a:ea typeface="Yu Gothic" panose="020B0400000000000000" pitchFamily="34" charset="-128"/>
-              </a:rPr>
-              <a:t>Veillonella_sp_62404</a:t>
-            </a:r>
-          </a:p>
-          <a:p>
-            <a:pPr lvl="1"/>
-            <a:r>
-              <a:rPr lang="en-US" dirty="0">
-                <a:latin typeface="Yu Gothic" panose="020B0400000000000000" pitchFamily="34" charset="-128"/>
-                <a:ea typeface="Yu Gothic" panose="020B0400000000000000" pitchFamily="34" charset="-128"/>
-              </a:rPr>
-              <a:t>Veillonella_sp_62611</a:t>
-            </a:r>
-          </a:p>
-          <a:p>
-            <a:r>
-              <a:rPr lang="en-US" dirty="0">
-                <a:latin typeface="Yu Gothic" panose="020B0400000000000000" pitchFamily="34" charset="-128"/>
-                <a:ea typeface="Yu Gothic" panose="020B0400000000000000" pitchFamily="34" charset="-128"/>
-              </a:rPr>
-              <a:t>When run individually, sometimes completes, sometimes does not</a:t>
-            </a:r>
-          </a:p>
-        </p:txBody>
-      </p:sp>
-    </p:spTree>
-    <p:extLst>
-      <p:ext uri="{BB962C8B-B14F-4D97-AF65-F5344CB8AC3E}">
-        <p14:creationId xmlns:p14="http://schemas.microsoft.com/office/powerpoint/2010/main" val="136659373"/>
-      </p:ext>
-    </p:extLst>
-  </p:cSld>
-  <p:clrMapOvr>
-    <a:masterClrMapping/>
-  </p:clrMapOvr>
-</p:sld>
-</file>
-
-<file path=ppt/slides/slide4.xml><?xml version="1.0" encoding="utf-8"?>
-<p:sld xmlns:a="http://schemas.openxmlformats.org/drawingml/2006/main" xmlns:r="http://schemas.openxmlformats.org/officeDocument/2006/relationships" xmlns:p="http://schemas.openxmlformats.org/presentationml/2006/main">
-  <p:cSld>
-    <p:spTree>
-      <p:nvGrpSpPr>
-        <p:cNvPr id="1" name=""/>
-        <p:cNvGrpSpPr/>
-        <p:nvPr/>
-      </p:nvGrpSpPr>
-      <p:grpSpPr>
-        <a:xfrm>
-          <a:off x="0" y="0"/>
-          <a:ext cx="0" cy="0"/>
-          <a:chOff x="0" y="0"/>
-          <a:chExt cx="0" cy="0"/>
-        </a:xfrm>
-      </p:grpSpPr>
-      <p:sp>
-        <p:nvSpPr>
-          <p:cNvPr id="2" name="Title 1">
-            <a:extLst>
-              <a:ext uri="{FF2B5EF4-FFF2-40B4-BE49-F238E27FC236}">
-                <a16:creationId xmlns:a16="http://schemas.microsoft.com/office/drawing/2014/main" id="{8BCDC7F3-0026-4ABC-A1FB-A556D653FBF1}"/>
-              </a:ext>
-            </a:extLst>
-          </p:cNvPr>
-          <p:cNvSpPr>
-            <a:spLocks noGrp="1"/>
-          </p:cNvSpPr>
-          <p:nvPr>
-            <p:ph type="title"/>
-          </p:nvPr>
-        </p:nvSpPr>
-        <p:spPr/>
-        <p:txBody>
-          <a:bodyPr/>
-          <a:lstStyle/>
-          <a:p>
-            <a:r>
-              <a:rPr lang="en-US" dirty="0">
-                <a:latin typeface="Yu Gothic" panose="020B0400000000000000" pitchFamily="34" charset="-128"/>
-                <a:ea typeface="Yu Gothic" panose="020B0400000000000000" pitchFamily="34" charset="-128"/>
-              </a:rPr>
-              <a:t>MIDAS</a:t>
-            </a:r>
-          </a:p>
-        </p:txBody>
-      </p:sp>
-      <p:sp>
-        <p:nvSpPr>
-          <p:cNvPr id="3" name="Content Placeholder 2">
-            <a:extLst>
-              <a:ext uri="{FF2B5EF4-FFF2-40B4-BE49-F238E27FC236}">
-                <a16:creationId xmlns:a16="http://schemas.microsoft.com/office/drawing/2014/main" id="{0185D601-86C1-40AA-B68A-90906EDD42C9}"/>
-              </a:ext>
-            </a:extLst>
-          </p:cNvPr>
-          <p:cNvSpPr>
-            <a:spLocks noGrp="1"/>
-          </p:cNvSpPr>
-          <p:nvPr>
-            <p:ph idx="1"/>
-          </p:nvPr>
-        </p:nvSpPr>
-        <p:spPr/>
-        <p:txBody>
-          <a:bodyPr>
-            <a:normAutofit fontScale="47500" lnSpcReduction="20000"/>
-          </a:bodyPr>
-          <a:lstStyle/>
-          <a:p>
-            <a:r>
-              <a:rPr lang="en-US" dirty="0">
-                <a:latin typeface="Yu Gothic" panose="020B0400000000000000" pitchFamily="34" charset="-128"/>
-                <a:ea typeface="Yu Gothic" panose="020B0400000000000000" pitchFamily="34" charset="-128"/>
-              </a:rPr>
-              <a:t>15 Species which don’t work</a:t>
-            </a:r>
-          </a:p>
-          <a:p>
-            <a:pPr lvl="1"/>
-            <a:r>
-              <a:rPr lang="en-US" dirty="0">
-                <a:latin typeface="Yu Gothic" panose="020B0400000000000000" pitchFamily="34" charset="-128"/>
-                <a:ea typeface="Yu Gothic" panose="020B0400000000000000" pitchFamily="34" charset="-128"/>
-              </a:rPr>
-              <a:t>Actinomyces_viscosus_57672</a:t>
-            </a:r>
-          </a:p>
-          <a:p>
-            <a:pPr lvl="1"/>
-            <a:r>
-              <a:rPr lang="en-US" dirty="0">
-                <a:latin typeface="Yu Gothic" panose="020B0400000000000000" pitchFamily="34" charset="-128"/>
-                <a:ea typeface="Yu Gothic" panose="020B0400000000000000" pitchFamily="34" charset="-128"/>
-              </a:rPr>
-              <a:t>Granulicatella_elegans_61945</a:t>
-            </a:r>
-          </a:p>
-          <a:p>
-            <a:pPr lvl="1"/>
-            <a:r>
-              <a:rPr lang="en-US" dirty="0">
-                <a:latin typeface="Yu Gothic" panose="020B0400000000000000" pitchFamily="34" charset="-128"/>
-                <a:ea typeface="Yu Gothic" panose="020B0400000000000000" pitchFamily="34" charset="-128"/>
-              </a:rPr>
-              <a:t>Haemophilus_parahaemolyticus_60505</a:t>
-            </a:r>
-          </a:p>
-          <a:p>
-            <a:pPr lvl="1"/>
-            <a:r>
-              <a:rPr lang="en-US" dirty="0">
-                <a:latin typeface="Yu Gothic" panose="020B0400000000000000" pitchFamily="34" charset="-128"/>
-                <a:ea typeface="Yu Gothic" panose="020B0400000000000000" pitchFamily="34" charset="-128"/>
-              </a:rPr>
-              <a:t>Haemophilus_parainfluenzae_62356</a:t>
-            </a:r>
-          </a:p>
-          <a:p>
-            <a:pPr lvl="1"/>
-            <a:r>
-              <a:rPr lang="en-US" dirty="0">
-                <a:latin typeface="Yu Gothic" panose="020B0400000000000000" pitchFamily="34" charset="-128"/>
-                <a:ea typeface="Yu Gothic" panose="020B0400000000000000" pitchFamily="34" charset="-128"/>
-              </a:rPr>
-              <a:t>Haemophilus_parainfluenzae_62468</a:t>
-            </a:r>
-          </a:p>
-          <a:p>
-            <a:pPr lvl="1"/>
-            <a:r>
-              <a:rPr lang="en-US" dirty="0">
-                <a:latin typeface="Yu Gothic" panose="020B0400000000000000" pitchFamily="34" charset="-128"/>
-                <a:ea typeface="Yu Gothic" panose="020B0400000000000000" pitchFamily="34" charset="-128"/>
-              </a:rPr>
-              <a:t>Haemophilus_paraphrohaemolyticus_58563</a:t>
-            </a:r>
-          </a:p>
-          <a:p>
-            <a:pPr lvl="1"/>
-            <a:r>
-              <a:rPr lang="en-US" dirty="0">
-                <a:latin typeface="Yu Gothic" panose="020B0400000000000000" pitchFamily="34" charset="-128"/>
-                <a:ea typeface="Yu Gothic" panose="020B0400000000000000" pitchFamily="34" charset="-128"/>
-              </a:rPr>
-              <a:t>Haemophilus_sputorum_53575</a:t>
-            </a:r>
-          </a:p>
-          <a:p>
-            <a:pPr lvl="1"/>
-            <a:r>
-              <a:rPr lang="en-US" dirty="0">
-                <a:latin typeface="Yu Gothic" panose="020B0400000000000000" pitchFamily="34" charset="-128"/>
-                <a:ea typeface="Yu Gothic" panose="020B0400000000000000" pitchFamily="34" charset="-128"/>
-              </a:rPr>
-              <a:t>Neisseria_sp_61995</a:t>
-            </a:r>
-          </a:p>
-          <a:p>
-            <a:pPr lvl="1"/>
-            <a:r>
-              <a:rPr lang="en-US" dirty="0">
-                <a:latin typeface="Yu Gothic" panose="020B0400000000000000" pitchFamily="34" charset="-128"/>
-                <a:ea typeface="Yu Gothic" panose="020B0400000000000000" pitchFamily="34" charset="-128"/>
-              </a:rPr>
-              <a:t>Prevotella_sp_61856</a:t>
-            </a:r>
-          </a:p>
-          <a:p>
-            <a:pPr lvl="1"/>
-            <a:r>
-              <a:rPr lang="en-US" dirty="0">
-                <a:latin typeface="Yu Gothic" panose="020B0400000000000000" pitchFamily="34" charset="-128"/>
-                <a:ea typeface="Yu Gothic" panose="020B0400000000000000" pitchFamily="34" charset="-128"/>
-              </a:rPr>
-              <a:t>Rothia_mucilaginosa_58144</a:t>
-            </a:r>
-          </a:p>
-          <a:p>
-            <a:pPr lvl="1"/>
-            <a:r>
-              <a:rPr lang="en-US" dirty="0">
-                <a:latin typeface="Yu Gothic" panose="020B0400000000000000" pitchFamily="34" charset="-128"/>
-                <a:ea typeface="Yu Gothic" panose="020B0400000000000000" pitchFamily="34" charset="-128"/>
-              </a:rPr>
-              <a:t>Streptococcus_parasanguinis_58487</a:t>
-            </a:r>
-          </a:p>
-          <a:p>
-            <a:pPr lvl="1"/>
-            <a:r>
-              <a:rPr lang="en-US" dirty="0">
-                <a:latin typeface="Yu Gothic" panose="020B0400000000000000" pitchFamily="34" charset="-128"/>
-                <a:ea typeface="Yu Gothic" panose="020B0400000000000000" pitchFamily="34" charset="-128"/>
-              </a:rPr>
-              <a:t>Streptococcus_sp_57750</a:t>
-            </a:r>
-          </a:p>
-          <a:p>
-            <a:pPr lvl="1"/>
-            <a:r>
-              <a:rPr lang="en-US" dirty="0">
-                <a:latin typeface="Yu Gothic" panose="020B0400000000000000" pitchFamily="34" charset="-128"/>
-                <a:ea typeface="Yu Gothic" panose="020B0400000000000000" pitchFamily="34" charset="-128"/>
-              </a:rPr>
-              <a:t>Streptococcus_sp_61820</a:t>
-            </a:r>
-          </a:p>
-          <a:p>
-            <a:pPr lvl="1"/>
-            <a:r>
-              <a:rPr lang="en-US" dirty="0">
-                <a:latin typeface="Yu Gothic" panose="020B0400000000000000" pitchFamily="34" charset="-128"/>
-                <a:ea typeface="Yu Gothic" panose="020B0400000000000000" pitchFamily="34" charset="-128"/>
-              </a:rPr>
-              <a:t>Streptococcus_vestibularis_56030</a:t>
-            </a:r>
-          </a:p>
-          <a:p>
-            <a:pPr lvl="1"/>
-            <a:r>
-              <a:rPr lang="en-US" dirty="0">
-                <a:latin typeface="Yu Gothic" panose="020B0400000000000000" pitchFamily="34" charset="-128"/>
-                <a:ea typeface="Yu Gothic" panose="020B0400000000000000" pitchFamily="34" charset="-128"/>
-              </a:rPr>
-              <a:t>Veillonella_sp_62611</a:t>
-            </a:r>
-          </a:p>
-          <a:p>
-            <a:r>
-              <a:rPr lang="en-US" dirty="0">
-                <a:latin typeface="Yu Gothic" panose="020B0400000000000000" pitchFamily="34" charset="-128"/>
-                <a:ea typeface="Yu Gothic" panose="020B0400000000000000" pitchFamily="34" charset="-128"/>
-              </a:rPr>
-              <a:t>When run individually, sometimes completes, sometimes does not</a:t>
-            </a:r>
-          </a:p>
-          <a:p>
-            <a:r>
-              <a:rPr lang="en-US" b="1" dirty="0">
-                <a:latin typeface="Yu Gothic" panose="020B0400000000000000" pitchFamily="34" charset="-128"/>
-                <a:ea typeface="Yu Gothic" panose="020B0400000000000000" pitchFamily="34" charset="-128"/>
-              </a:rPr>
-              <a:t>Email Raffaella with documentation on error cases</a:t>
-            </a:r>
-          </a:p>
-          <a:p>
-            <a:pPr lvl="1"/>
-            <a:r>
-              <a:rPr lang="en-US" b="1" dirty="0">
-                <a:latin typeface="Yu Gothic" panose="020B0400000000000000" pitchFamily="34" charset="-128"/>
-                <a:ea typeface="Yu Gothic" panose="020B0400000000000000" pitchFamily="34" charset="-128"/>
-              </a:rPr>
-              <a:t>Case one: Merge step works with input directory</a:t>
-            </a:r>
-          </a:p>
-          <a:p>
-            <a:pPr lvl="1"/>
-            <a:r>
-              <a:rPr lang="en-US" b="1" dirty="0">
-                <a:latin typeface="Yu Gothic" panose="020B0400000000000000" pitchFamily="34" charset="-128"/>
-                <a:ea typeface="Yu Gothic" panose="020B0400000000000000" pitchFamily="34" charset="-128"/>
-              </a:rPr>
-              <a:t>Case two: Merge step only works with input species</a:t>
-            </a:r>
-          </a:p>
-          <a:p>
-            <a:pPr lvl="1"/>
-            <a:r>
-              <a:rPr lang="en-US" b="1" dirty="0">
-                <a:latin typeface="Yu Gothic" panose="020B0400000000000000" pitchFamily="34" charset="-128"/>
-                <a:ea typeface="Yu Gothic" panose="020B0400000000000000" pitchFamily="34" charset="-128"/>
-              </a:rPr>
-              <a:t>Case three: Merge step fails with input directory or with input species</a:t>
-            </a:r>
-          </a:p>
-        </p:txBody>
-      </p:sp>
-    </p:spTree>
-    <p:extLst>
-      <p:ext uri="{BB962C8B-B14F-4D97-AF65-F5344CB8AC3E}">
-        <p14:creationId xmlns:p14="http://schemas.microsoft.com/office/powerpoint/2010/main" val="1096183050"/>
-      </p:ext>
-    </p:extLst>
-  </p:cSld>
-  <p:clrMapOvr>
-    <a:masterClrMapping/>
-  </p:clrMapOvr>
-</p:sld>
-</file>
-
-<file path=ppt/slides/slide5.xml><?xml version="1.0" encoding="utf-8"?>
-<p:sld xmlns:a="http://schemas.openxmlformats.org/drawingml/2006/main" xmlns:r="http://schemas.openxmlformats.org/officeDocument/2006/relationships" xmlns:p="http://schemas.openxmlformats.org/presentationml/2006/main">
-  <p:cSld>
-    <p:spTree>
-      <p:nvGrpSpPr>
-        <p:cNvPr id="1" name=""/>
-        <p:cNvGrpSpPr/>
-        <p:nvPr/>
-      </p:nvGrpSpPr>
-      <p:grpSpPr>
-        <a:xfrm>
-          <a:off x="0" y="0"/>
-          <a:ext cx="0" cy="0"/>
-          <a:chOff x="0" y="0"/>
-          <a:chExt cx="0" cy="0"/>
-        </a:xfrm>
-      </p:grpSpPr>
-      <p:sp>
-        <p:nvSpPr>
-          <p:cNvPr id="2" name="Title 1">
-            <a:extLst>
-              <a:ext uri="{FF2B5EF4-FFF2-40B4-BE49-F238E27FC236}">
-                <a16:creationId xmlns:a16="http://schemas.microsoft.com/office/drawing/2014/main" id="{8BCDC7F3-0026-4ABC-A1FB-A556D653FBF1}"/>
-              </a:ext>
-            </a:extLst>
-          </p:cNvPr>
-          <p:cNvSpPr>
-            <a:spLocks noGrp="1"/>
-          </p:cNvSpPr>
-          <p:nvPr>
-            <p:ph type="title"/>
-          </p:nvPr>
-        </p:nvSpPr>
-        <p:spPr/>
-        <p:txBody>
-          <a:bodyPr/>
-          <a:lstStyle/>
-          <a:p>
-            <a:r>
-              <a:rPr lang="en-US" dirty="0">
-                <a:latin typeface="Yu Gothic" panose="020B0400000000000000" pitchFamily="34" charset="-128"/>
-                <a:ea typeface="Yu Gothic" panose="020B0400000000000000" pitchFamily="34" charset="-128"/>
-              </a:rPr>
-              <a:t>MIDAS</a:t>
-            </a:r>
-          </a:p>
-        </p:txBody>
-      </p:sp>
-      <p:sp>
-        <p:nvSpPr>
-          <p:cNvPr id="3" name="Content Placeholder 2">
-            <a:extLst>
-              <a:ext uri="{FF2B5EF4-FFF2-40B4-BE49-F238E27FC236}">
-                <a16:creationId xmlns:a16="http://schemas.microsoft.com/office/drawing/2014/main" id="{0185D601-86C1-40AA-B68A-90906EDD42C9}"/>
-              </a:ext>
-            </a:extLst>
-          </p:cNvPr>
-          <p:cNvSpPr>
-            <a:spLocks noGrp="1"/>
-          </p:cNvSpPr>
-          <p:nvPr>
-            <p:ph idx="1"/>
-          </p:nvPr>
-        </p:nvSpPr>
-        <p:spPr/>
-        <p:txBody>
-          <a:bodyPr>
-            <a:normAutofit/>
-          </a:bodyPr>
-          <a:lstStyle/>
-          <a:p>
-            <a:r>
-              <a:rPr lang="en-US" dirty="0">
-                <a:latin typeface="Yu Gothic" panose="020B0400000000000000" pitchFamily="34" charset="-128"/>
-                <a:ea typeface="Yu Gothic" panose="020B0400000000000000" pitchFamily="34" charset="-128"/>
-              </a:rPr>
-              <a:t>Species with working output</a:t>
-            </a:r>
-          </a:p>
-          <a:p>
-            <a:pPr lvl="1"/>
-            <a:r>
-              <a:rPr lang="en-US" dirty="0">
-                <a:latin typeface="Yu Gothic" panose="020B0400000000000000" pitchFamily="34" charset="-128"/>
-                <a:ea typeface="Yu Gothic" panose="020B0400000000000000" pitchFamily="34" charset="-128"/>
-              </a:rPr>
-              <a:t>Catonella_morbi_61904</a:t>
-            </a:r>
-          </a:p>
-          <a:p>
-            <a:pPr lvl="1"/>
-            <a:r>
-              <a:rPr lang="en-US" dirty="0">
-                <a:latin typeface="Yu Gothic" panose="020B0400000000000000" pitchFamily="34" charset="-128"/>
-                <a:ea typeface="Yu Gothic" panose="020B0400000000000000" pitchFamily="34" charset="-128"/>
-              </a:rPr>
-              <a:t>Fusobacterium_periodonticum_58002</a:t>
-            </a:r>
-          </a:p>
-          <a:p>
-            <a:pPr lvl="1"/>
-            <a:r>
-              <a:rPr lang="en-US" dirty="0">
-                <a:latin typeface="Yu Gothic" panose="020B0400000000000000" pitchFamily="34" charset="-128"/>
-                <a:ea typeface="Yu Gothic" panose="020B0400000000000000" pitchFamily="34" charset="-128"/>
-              </a:rPr>
-              <a:t>Gemella_haemolysans_61762</a:t>
-            </a:r>
-          </a:p>
-          <a:p>
-            <a:pPr lvl="1"/>
-            <a:r>
-              <a:rPr lang="en-US" dirty="0">
-                <a:latin typeface="Yu Gothic" panose="020B0400000000000000" pitchFamily="34" charset="-128"/>
-                <a:ea typeface="Yu Gothic" panose="020B0400000000000000" pitchFamily="34" charset="-128"/>
-              </a:rPr>
-              <a:t>Haemophilus_parainfluenzae_57123</a:t>
-            </a:r>
-          </a:p>
-          <a:p>
-            <a:pPr lvl="1"/>
-            <a:r>
-              <a:rPr lang="en-US" dirty="0">
-                <a:latin typeface="Yu Gothic" panose="020B0400000000000000" pitchFamily="34" charset="-128"/>
-                <a:ea typeface="Yu Gothic" panose="020B0400000000000000" pitchFamily="34" charset="-128"/>
-              </a:rPr>
-              <a:t>Porphyromonas_sp_57899</a:t>
-            </a:r>
-          </a:p>
-          <a:p>
-            <a:pPr lvl="1"/>
-            <a:r>
-              <a:rPr lang="en-US" dirty="0">
-                <a:latin typeface="Yu Gothic" panose="020B0400000000000000" pitchFamily="34" charset="-128"/>
-                <a:ea typeface="Yu Gothic" panose="020B0400000000000000" pitchFamily="34" charset="-128"/>
-              </a:rPr>
-              <a:t>Prevotella_melaninogenica_58075</a:t>
-            </a:r>
-          </a:p>
-          <a:p>
-            <a:pPr lvl="1"/>
-            <a:r>
-              <a:rPr lang="en-US" dirty="0">
-                <a:latin typeface="Yu Gothic" panose="020B0400000000000000" pitchFamily="34" charset="-128"/>
-                <a:ea typeface="Yu Gothic" panose="020B0400000000000000" pitchFamily="34" charset="-128"/>
-              </a:rPr>
-              <a:t>Prevotella_nanceiensis_44721</a:t>
-            </a:r>
-          </a:p>
-          <a:p>
-            <a:pPr lvl="1"/>
-            <a:r>
-              <a:rPr lang="en-US" dirty="0">
-                <a:latin typeface="Yu Gothic" panose="020B0400000000000000" pitchFamily="34" charset="-128"/>
-                <a:ea typeface="Yu Gothic" panose="020B0400000000000000" pitchFamily="34" charset="-128"/>
-              </a:rPr>
-              <a:t>Veillonella_sp_62404</a:t>
-            </a:r>
-          </a:p>
-        </p:txBody>
-      </p:sp>
-    </p:spTree>
-    <p:extLst>
-      <p:ext uri="{BB962C8B-B14F-4D97-AF65-F5344CB8AC3E}">
-        <p14:creationId xmlns:p14="http://schemas.microsoft.com/office/powerpoint/2010/main" val="2063938261"/>
-      </p:ext>
-    </p:extLst>
-  </p:cSld>
-  <p:clrMapOvr>
-    <a:masterClrMapping/>
-  </p:clrMapOvr>
-</p:sld>
-</file>
-
-<file path=ppt/slides/slide6.xml><?xml version="1.0" encoding="utf-8"?>
-<p:sld xmlns:a="http://schemas.openxmlformats.org/drawingml/2006/main" xmlns:r="http://schemas.openxmlformats.org/officeDocument/2006/relationships" xmlns:p="http://schemas.openxmlformats.org/presentationml/2006/main">
-  <p:cSld>
-    <p:spTree>
-      <p:nvGrpSpPr>
-        <p:cNvPr id="1" name=""/>
-        <p:cNvGrpSpPr/>
-        <p:nvPr/>
-      </p:nvGrpSpPr>
-      <p:grpSpPr>
-        <a:xfrm>
-          <a:off x="0" y="0"/>
-          <a:ext cx="0" cy="0"/>
-          <a:chOff x="0" y="0"/>
-          <a:chExt cx="0" cy="0"/>
-        </a:xfrm>
-      </p:grpSpPr>
-      <p:sp>
-        <p:nvSpPr>
-          <p:cNvPr id="2" name="Title 1">
-            <a:extLst>
-              <a:ext uri="{FF2B5EF4-FFF2-40B4-BE49-F238E27FC236}">
-                <a16:creationId xmlns:a16="http://schemas.microsoft.com/office/drawing/2014/main" id="{EF512489-D655-22DE-33DA-BF1DDA597AC4}"/>
-              </a:ext>
-            </a:extLst>
-          </p:cNvPr>
-          <p:cNvSpPr>
-            <a:spLocks noGrp="1"/>
-          </p:cNvSpPr>
-          <p:nvPr>
-            <p:ph type="title"/>
-          </p:nvPr>
-        </p:nvSpPr>
-        <p:spPr/>
-        <p:txBody>
-          <a:bodyPr/>
-          <a:lstStyle/>
-          <a:p>
-            <a:r>
-              <a:rPr lang="en-US" dirty="0"/>
-              <a:t>Pi (IID, hosts &gt;= 5 for both cohorts)</a:t>
-            </a:r>
-          </a:p>
-        </p:txBody>
-      </p:sp>
-      <p:pic>
-        <p:nvPicPr>
-          <p:cNvPr id="5" name="Content Placeholder 4">
-            <a:extLst>
-              <a:ext uri="{FF2B5EF4-FFF2-40B4-BE49-F238E27FC236}">
-                <a16:creationId xmlns:a16="http://schemas.microsoft.com/office/drawing/2014/main" id="{1651DBA1-89A2-770A-885F-67D630AEAEB5}"/>
-              </a:ext>
-            </a:extLst>
-          </p:cNvPr>
-          <p:cNvPicPr>
-            <a:picLocks noGrp="1" noChangeAspect="1"/>
-          </p:cNvPicPr>
-          <p:nvPr>
-            <p:ph idx="1"/>
-          </p:nvPr>
-        </p:nvPicPr>
-        <p:blipFill>
-          <a:blip r:embed="rId2"/>
-          <a:stretch>
-            <a:fillRect/>
-          </a:stretch>
-        </p:blipFill>
-        <p:spPr>
-          <a:xfrm>
-            <a:off x="679458" y="1550881"/>
-            <a:ext cx="7207242" cy="4612635"/>
-          </a:xfrm>
-          <a:prstGeom prst="rect">
-            <a:avLst/>
-          </a:prstGeom>
-        </p:spPr>
-      </p:pic>
-      <p:sp>
-        <p:nvSpPr>
-          <p:cNvPr id="7" name="TextBox 6">
-            <a:extLst>
-              <a:ext uri="{FF2B5EF4-FFF2-40B4-BE49-F238E27FC236}">
-                <a16:creationId xmlns:a16="http://schemas.microsoft.com/office/drawing/2014/main" id="{7445621E-0D2E-F741-A736-146F1A6F31B0}"/>
-              </a:ext>
-            </a:extLst>
-          </p:cNvPr>
-          <p:cNvSpPr txBox="1"/>
-          <p:nvPr/>
-        </p:nvSpPr>
-        <p:spPr>
-          <a:xfrm>
-            <a:off x="7372350" y="2019300"/>
-            <a:ext cx="3638175" cy="369332"/>
-          </a:xfrm>
-          <a:prstGeom prst="rect">
-            <a:avLst/>
-          </a:prstGeom>
-          <a:noFill/>
-        </p:spPr>
-        <p:txBody>
-          <a:bodyPr wrap="none" rtlCol="0">
-            <a:spAutoFit/>
-          </a:bodyPr>
-          <a:lstStyle/>
-          <a:p>
-            <a:r>
-              <a:rPr lang="en-US" dirty="0" err="1"/>
-              <a:t>Faecalibacterium</a:t>
-            </a:r>
-            <a:r>
-              <a:rPr lang="en-US" dirty="0"/>
-              <a:t> </a:t>
-            </a:r>
-            <a:r>
-              <a:rPr lang="en-US" dirty="0" err="1"/>
-              <a:t>Prauznitzii</a:t>
-            </a:r>
-            <a:r>
-              <a:rPr lang="en-US" dirty="0"/>
-              <a:t> (12345)</a:t>
-            </a:r>
-          </a:p>
-        </p:txBody>
-      </p:sp>
-    </p:spTree>
-    <p:extLst>
-      <p:ext uri="{BB962C8B-B14F-4D97-AF65-F5344CB8AC3E}">
-        <p14:creationId xmlns:p14="http://schemas.microsoft.com/office/powerpoint/2010/main" val="113749916"/>
-      </p:ext>
-    </p:extLst>
-  </p:cSld>
-  <p:clrMapOvr>
-    <a:masterClrMapping/>
-  </p:clrMapOvr>
-</p:sld>
-</file>
-
-<file path=ppt/slides/slide7.xml><?xml version="1.0" encoding="utf-8"?>
-<p:sld xmlns:a="http://schemas.openxmlformats.org/drawingml/2006/main" xmlns:r="http://schemas.openxmlformats.org/officeDocument/2006/relationships" xmlns:p="http://schemas.openxmlformats.org/presentationml/2006/main">
-  <p:cSld>
-    <p:spTree>
-      <p:nvGrpSpPr>
-        <p:cNvPr id="1" name=""/>
-        <p:cNvGrpSpPr/>
-        <p:nvPr/>
-      </p:nvGrpSpPr>
-      <p:grpSpPr>
-        <a:xfrm>
-          <a:off x="0" y="0"/>
-          <a:ext cx="0" cy="0"/>
-          <a:chOff x="0" y="0"/>
-          <a:chExt cx="0" cy="0"/>
-        </a:xfrm>
-      </p:grpSpPr>
-      <p:sp>
-        <p:nvSpPr>
-          <p:cNvPr id="2" name="Title 1">
-            <a:extLst>
-              <a:ext uri="{FF2B5EF4-FFF2-40B4-BE49-F238E27FC236}">
-                <a16:creationId xmlns:a16="http://schemas.microsoft.com/office/drawing/2014/main" id="{DDECB1F4-193F-9752-CBCE-13D62BD690F0}"/>
-              </a:ext>
-            </a:extLst>
-          </p:cNvPr>
-          <p:cNvSpPr>
-            <a:spLocks noGrp="1"/>
-          </p:cNvSpPr>
-          <p:nvPr>
-            <p:ph type="title"/>
-          </p:nvPr>
-        </p:nvSpPr>
-        <p:spPr/>
-        <p:txBody>
-          <a:bodyPr/>
-          <a:lstStyle/>
-          <a:p>
-            <a:r>
-              <a:rPr lang="en-US" dirty="0"/>
-              <a:t>P. </a:t>
-            </a:r>
-            <a:r>
-              <a:rPr lang="en-US" dirty="0" err="1"/>
-              <a:t>Distasonis</a:t>
-            </a:r>
-            <a:r>
-              <a:rPr lang="en-US" dirty="0"/>
-              <a:t> (</a:t>
-            </a:r>
-            <a:r>
-              <a:rPr lang="en-US" dirty="0" err="1"/>
-              <a:t>CustomNorm</a:t>
-            </a:r>
-            <a:r>
-              <a:rPr lang="en-US" dirty="0"/>
-              <a:t>)</a:t>
-            </a:r>
-          </a:p>
-        </p:txBody>
-      </p:sp>
-      <p:sp>
-        <p:nvSpPr>
-          <p:cNvPr id="15" name="TextBox 14">
-            <a:extLst>
-              <a:ext uri="{FF2B5EF4-FFF2-40B4-BE49-F238E27FC236}">
-                <a16:creationId xmlns:a16="http://schemas.microsoft.com/office/drawing/2014/main" id="{62E75B54-4D24-6F87-AF4C-45D7B8035FB6}"/>
-              </a:ext>
-            </a:extLst>
-          </p:cNvPr>
-          <p:cNvSpPr txBox="1"/>
-          <p:nvPr/>
-        </p:nvSpPr>
-        <p:spPr>
-          <a:xfrm>
-            <a:off x="9104039" y="322748"/>
-            <a:ext cx="2980814" cy="5355312"/>
-          </a:xfrm>
-          <a:prstGeom prst="rect">
-            <a:avLst/>
-          </a:prstGeom>
-          <a:noFill/>
-        </p:spPr>
-        <p:txBody>
-          <a:bodyPr wrap="square" rtlCol="0">
-            <a:spAutoFit/>
-          </a:bodyPr>
-          <a:lstStyle/>
-          <a:p>
-            <a:r>
-              <a:rPr lang="en-US" dirty="0"/>
-              <a:t>Plan for Log likelihood surface</a:t>
-            </a:r>
-            <a:br>
-              <a:rPr lang="en-US" dirty="0"/>
-            </a:br>
-            <a:r>
-              <a:rPr lang="en-US" dirty="0"/>
-              <a:t>plots:</a:t>
-            </a:r>
-          </a:p>
-          <a:p>
-            <a:pPr marL="285750" indent="-285750">
-              <a:buFont typeface="Arial" panose="020B0604020202020204" pitchFamily="34" charset="0"/>
-              <a:buChar char="•"/>
-            </a:pPr>
-            <a:r>
-              <a:rPr lang="en-US" dirty="0"/>
-              <a:t>Several tick marks for varying</a:t>
-            </a:r>
-            <a:br>
-              <a:rPr lang="en-US" dirty="0"/>
-            </a:br>
-            <a:r>
-              <a:rPr lang="en-US" dirty="0"/>
-              <a:t>degrees of “good likelihood”</a:t>
-            </a:r>
-            <a:br>
-              <a:rPr lang="en-US" dirty="0"/>
-            </a:br>
-            <a:r>
-              <a:rPr lang="en-US" dirty="0"/>
-              <a:t>* Less tick marks for “bad”</a:t>
-            </a:r>
-            <a:br>
-              <a:rPr lang="en-US" dirty="0"/>
-            </a:br>
-            <a:r>
-              <a:rPr lang="en-US" dirty="0"/>
-              <a:t>likelihoods</a:t>
-            </a:r>
-          </a:p>
-          <a:p>
-            <a:pPr marL="285750" indent="-285750">
-              <a:buFont typeface="Arial" panose="020B0604020202020204" pitchFamily="34" charset="0"/>
-              <a:buChar char="•"/>
-            </a:pPr>
-            <a:endParaRPr lang="en-US" dirty="0"/>
-          </a:p>
-          <a:p>
-            <a:pPr marL="285750" indent="-285750">
-              <a:buFont typeface="Arial" panose="020B0604020202020204" pitchFamily="34" charset="0"/>
-              <a:buChar char="•"/>
-            </a:pPr>
-            <a:endParaRPr lang="en-US" dirty="0"/>
-          </a:p>
-          <a:p>
-            <a:r>
-              <a:rPr lang="en-US" dirty="0"/>
-              <a:t>Suggestions</a:t>
-            </a:r>
-          </a:p>
-          <a:p>
-            <a:pPr marL="285750" indent="-285750">
-              <a:buFont typeface="Arial" panose="020B0604020202020204" pitchFamily="34" charset="0"/>
-              <a:buChar char="•"/>
-            </a:pPr>
-            <a:r>
-              <a:rPr lang="en-US" dirty="0"/>
-              <a:t>Show difference in log likelihood</a:t>
-            </a:r>
-            <a:br>
-              <a:rPr lang="en-US" dirty="0"/>
-            </a:br>
-            <a:r>
-              <a:rPr lang="en-US" dirty="0"/>
-              <a:t>between contraction vs. expansion on one plot</a:t>
-            </a:r>
-            <a:br>
-              <a:rPr lang="en-US" dirty="0"/>
-            </a:br>
-            <a:r>
-              <a:rPr lang="en-US" dirty="0"/>
-              <a:t>Sample wider parameter space</a:t>
-            </a:r>
-          </a:p>
-          <a:p>
-            <a:pPr marL="285750" indent="-285750">
-              <a:buFont typeface="Arial" panose="020B0604020202020204" pitchFamily="34" charset="0"/>
-              <a:buChar char="•"/>
-            </a:pPr>
-            <a:r>
-              <a:rPr lang="en-US" dirty="0"/>
-              <a:t>Use range of right and plotting elements of left</a:t>
-            </a:r>
-          </a:p>
-        </p:txBody>
-      </p:sp>
-      <p:pic>
-        <p:nvPicPr>
-          <p:cNvPr id="8" name="Picture 7" descr="Chart, histogram&#10;&#10;Description automatically generated">
-            <a:extLst>
-              <a:ext uri="{FF2B5EF4-FFF2-40B4-BE49-F238E27FC236}">
-                <a16:creationId xmlns:a16="http://schemas.microsoft.com/office/drawing/2014/main" id="{233B2FCC-ECD3-028A-BDD1-90F303664065}"/>
-              </a:ext>
-            </a:extLst>
-          </p:cNvPr>
-          <p:cNvPicPr>
-            <a:picLocks noChangeAspect="1"/>
-          </p:cNvPicPr>
-          <p:nvPr/>
-        </p:nvPicPr>
-        <p:blipFill>
-          <a:blip r:embed="rId2">
-            <a:extLst>
-              <a:ext uri="{28A0092B-C50C-407E-A947-70E740481C1C}">
-                <a14:useLocalDpi xmlns:a14="http://schemas.microsoft.com/office/drawing/2010/main" val="0"/>
-              </a:ext>
-            </a:extLst>
-          </a:blip>
-          <a:stretch>
-            <a:fillRect/>
-          </a:stretch>
-        </p:blipFill>
-        <p:spPr>
-          <a:xfrm>
-            <a:off x="5532956" y="1927274"/>
-            <a:ext cx="3697692" cy="2773269"/>
-          </a:xfrm>
-          <a:prstGeom prst="rect">
-            <a:avLst/>
-          </a:prstGeom>
-        </p:spPr>
-      </p:pic>
-      <p:pic>
-        <p:nvPicPr>
-          <p:cNvPr id="13" name="Content Placeholder 12" descr="Chart, histogram&#10;&#10;Description automatically generated">
-            <a:extLst>
-              <a:ext uri="{FF2B5EF4-FFF2-40B4-BE49-F238E27FC236}">
-                <a16:creationId xmlns:a16="http://schemas.microsoft.com/office/drawing/2014/main" id="{93AABB5C-6771-3630-07A3-33A493872360}"/>
-              </a:ext>
-            </a:extLst>
-          </p:cNvPr>
-          <p:cNvPicPr>
-            <a:picLocks noGrp="1" noChangeAspect="1"/>
-          </p:cNvPicPr>
-          <p:nvPr>
-            <p:ph idx="1"/>
-          </p:nvPr>
-        </p:nvPicPr>
-        <p:blipFill>
-          <a:blip r:embed="rId3">
-            <a:extLst>
-              <a:ext uri="{28A0092B-C50C-407E-A947-70E740481C1C}">
-                <a14:useLocalDpi xmlns:a14="http://schemas.microsoft.com/office/drawing/2010/main" val="0"/>
-              </a:ext>
-            </a:extLst>
-          </a:blip>
-          <a:stretch>
-            <a:fillRect/>
-          </a:stretch>
-        </p:blipFill>
-        <p:spPr>
-          <a:xfrm>
-            <a:off x="728268" y="1639095"/>
-            <a:ext cx="4466168" cy="3349626"/>
-          </a:xfrm>
-        </p:spPr>
-      </p:pic>
-    </p:spTree>
-    <p:extLst>
-      <p:ext uri="{BB962C8B-B14F-4D97-AF65-F5344CB8AC3E}">
-        <p14:creationId xmlns:p14="http://schemas.microsoft.com/office/powerpoint/2010/main" val="325441552"/>
-      </p:ext>
-    </p:extLst>
-  </p:cSld>
-  <p:clrMapOvr>
-    <a:masterClrMapping/>
-  </p:clrMapOvr>
-</p:sld>
-</file>
-
-<file path=ppt/slides/slide8.xml><?xml version="1.0" encoding="utf-8"?>
-<p:sld xmlns:a="http://schemas.openxmlformats.org/drawingml/2006/main" xmlns:r="http://schemas.openxmlformats.org/officeDocument/2006/relationships" xmlns:p="http://schemas.openxmlformats.org/presentationml/2006/main">
-  <p:cSld>
-    <p:spTree>
-      <p:nvGrpSpPr>
-        <p:cNvPr id="1" name=""/>
-        <p:cNvGrpSpPr/>
-        <p:nvPr/>
-      </p:nvGrpSpPr>
-      <p:grpSpPr>
-        <a:xfrm>
-          <a:off x="0" y="0"/>
-          <a:ext cx="0" cy="0"/>
-          <a:chOff x="0" y="0"/>
-          <a:chExt cx="0" cy="0"/>
-        </a:xfrm>
-      </p:grpSpPr>
-      <p:sp>
-        <p:nvSpPr>
-          <p:cNvPr id="2" name="Title 1">
-            <a:extLst>
-              <a:ext uri="{FF2B5EF4-FFF2-40B4-BE49-F238E27FC236}">
-                <a16:creationId xmlns:a16="http://schemas.microsoft.com/office/drawing/2014/main" id="{A602EA1E-DA58-BED5-FDEE-69838F68237F}"/>
-              </a:ext>
-            </a:extLst>
-          </p:cNvPr>
-          <p:cNvSpPr>
-            <a:spLocks noGrp="1"/>
-          </p:cNvSpPr>
-          <p:nvPr>
-            <p:ph type="title"/>
-          </p:nvPr>
-        </p:nvSpPr>
-        <p:spPr/>
-        <p:txBody>
-          <a:bodyPr/>
-          <a:lstStyle/>
-          <a:p>
-            <a:r>
-              <a:rPr lang="en-US" dirty="0"/>
-              <a:t>TODO 20220907</a:t>
-            </a:r>
-          </a:p>
-        </p:txBody>
-      </p:sp>
-      <p:sp>
-        <p:nvSpPr>
-          <p:cNvPr id="3" name="Content Placeholder 2">
-            <a:extLst>
-              <a:ext uri="{FF2B5EF4-FFF2-40B4-BE49-F238E27FC236}">
-                <a16:creationId xmlns:a16="http://schemas.microsoft.com/office/drawing/2014/main" id="{1747A062-6D09-3F49-9719-9EC1D1335A5B}"/>
-              </a:ext>
-            </a:extLst>
-          </p:cNvPr>
-          <p:cNvSpPr>
-            <a:spLocks noGrp="1"/>
-          </p:cNvSpPr>
-          <p:nvPr>
-            <p:ph idx="1"/>
-          </p:nvPr>
-        </p:nvSpPr>
-        <p:spPr/>
-        <p:txBody>
-          <a:bodyPr/>
-          <a:lstStyle/>
-          <a:p>
-            <a:r>
-              <a:rPr lang="en-US" dirty="0"/>
-              <a:t>EMAIL RAFFAELLA</a:t>
-            </a:r>
-          </a:p>
-          <a:p>
-            <a:r>
-              <a:rPr lang="en-US" dirty="0"/>
-              <a:t>Writing about Pi results (consult overleaf for more detailed notes)</a:t>
-            </a:r>
-          </a:p>
-          <a:p>
-            <a:r>
-              <a:rPr lang="en-US" dirty="0"/>
-              <a:t>Plotting:</a:t>
-            </a:r>
-          </a:p>
-          <a:p>
-            <a:pPr lvl="1"/>
-            <a:r>
-              <a:rPr lang="en-US" dirty="0"/>
-              <a:t>Show contrast between expansion and contraction</a:t>
-            </a:r>
-          </a:p>
-          <a:p>
-            <a:pPr lvl="1"/>
-            <a:r>
-              <a:rPr lang="en-US" dirty="0"/>
-              <a:t>Evaluate log likelihood over wider parameter space, including values of nu that are bigger than one (indicating expansion), consider bigger range of Tau</a:t>
-            </a:r>
-          </a:p>
-          <a:p>
-            <a:pPr lvl="1"/>
-            <a:r>
-              <a:rPr lang="en-US" dirty="0"/>
-              <a:t>Goal is less to find the maximum and more so to see the landscape of likelihoods</a:t>
-            </a:r>
-          </a:p>
-        </p:txBody>
-      </p:sp>
-    </p:spTree>
-    <p:extLst>
-      <p:ext uri="{BB962C8B-B14F-4D97-AF65-F5344CB8AC3E}">
-        <p14:creationId xmlns:p14="http://schemas.microsoft.com/office/powerpoint/2010/main" val="2897469236"/>
       </p:ext>
     </p:extLst>
   </p:cSld>
